--- a/presentations/ep1000_assessment/ep1000_todo.pptx
+++ b/presentations/ep1000_assessment/ep1000_todo.pptx
@@ -5,17 +5,18 @@
     <p:sldMasterId id="2147483660" r:id="rId1"/>
   </p:sldMasterIdLst>
   <p:notesMasterIdLst>
-    <p:notesMasterId r:id="rId10"/>
+    <p:notesMasterId r:id="rId11"/>
   </p:notesMasterIdLst>
   <p:sldIdLst>
     <p:sldId id="256" r:id="rId2"/>
-    <p:sldId id="260" r:id="rId3"/>
-    <p:sldId id="261" r:id="rId4"/>
-    <p:sldId id="263" r:id="rId5"/>
-    <p:sldId id="262" r:id="rId6"/>
-    <p:sldId id="264" r:id="rId7"/>
-    <p:sldId id="265" r:id="rId8"/>
-    <p:sldId id="259" r:id="rId9"/>
+    <p:sldId id="266" r:id="rId3"/>
+    <p:sldId id="260" r:id="rId4"/>
+    <p:sldId id="261" r:id="rId5"/>
+    <p:sldId id="263" r:id="rId6"/>
+    <p:sldId id="262" r:id="rId7"/>
+    <p:sldId id="264" r:id="rId8"/>
+    <p:sldId id="265" r:id="rId9"/>
+    <p:sldId id="259" r:id="rId10"/>
   </p:sldIdLst>
   <p:sldSz cx="9144000" cy="6858000" type="screen4x3"/>
   <p:notesSz cx="6858000" cy="9144000"/>
@@ -204,7 +205,7 @@
           <a:p>
             <a:fld id="{2A875741-58CA-43A4-9946-B635E52C5CD8}" type="datetimeFigureOut">
               <a:rPr lang="en-US" smtClean="0"/>
-              <a:t>6/3/2021</a:t>
+              <a:t>6/8/2021</a:t>
             </a:fld>
             <a:endParaRPr lang="en-US"/>
           </a:p>
@@ -614,7 +615,7 @@
           <a:p>
             <a:fld id="{9665C769-D7C3-4E51-9622-EB882B1C6B88}" type="datetime1">
               <a:rPr lang="en-US" smtClean="0"/>
-              <a:t>6/3/2021</a:t>
+              <a:t>6/8/2021</a:t>
             </a:fld>
             <a:endParaRPr lang="en-US"/>
           </a:p>
@@ -808,7 +809,7 @@
           <a:p>
             <a:fld id="{AC2FA8F2-92AD-4DF3-BB80-1A576E4607C5}" type="datetime1">
               <a:rPr lang="en-US" smtClean="0"/>
-              <a:t>6/3/2021</a:t>
+              <a:t>6/8/2021</a:t>
             </a:fld>
             <a:endParaRPr lang="en-US"/>
           </a:p>
@@ -1007,7 +1008,7 @@
           <a:p>
             <a:fld id="{FF161318-0D48-4B52-BC2D-A0EA8E79725D}" type="datetime1">
               <a:rPr lang="en-US" smtClean="0"/>
-              <a:t>6/3/2021</a:t>
+              <a:t>6/8/2021</a:t>
             </a:fld>
             <a:endParaRPr lang="en-US"/>
           </a:p>
@@ -1201,7 +1202,7 @@
           <a:p>
             <a:fld id="{828929F4-2E32-48E9-8E95-ABAA8EAAF6A9}" type="datetime1">
               <a:rPr lang="en-US" smtClean="0"/>
-              <a:t>6/3/2021</a:t>
+              <a:t>6/8/2021</a:t>
             </a:fld>
             <a:endParaRPr lang="en-US"/>
           </a:p>
@@ -1464,7 +1465,7 @@
           <a:p>
             <a:fld id="{4D668969-C21F-428C-9E53-8D921FF4543A}" type="datetime1">
               <a:rPr lang="en-US" smtClean="0"/>
-              <a:t>6/3/2021</a:t>
+              <a:t>6/8/2021</a:t>
             </a:fld>
             <a:endParaRPr lang="en-US"/>
           </a:p>
@@ -1718,7 +1719,7 @@
           <a:p>
             <a:fld id="{01FB22A5-6159-4D69-BFEE-F4892803599C}" type="datetime1">
               <a:rPr lang="en-US" smtClean="0"/>
-              <a:t>6/3/2021</a:t>
+              <a:t>6/8/2021</a:t>
             </a:fld>
             <a:endParaRPr lang="en-US"/>
           </a:p>
@@ -2112,7 +2113,7 @@
           <a:p>
             <a:fld id="{738CC944-9765-440C-9A18-3DC1DA37440E}" type="datetime1">
               <a:rPr lang="en-US" smtClean="0"/>
-              <a:t>6/3/2021</a:t>
+              <a:t>6/8/2021</a:t>
             </a:fld>
             <a:endParaRPr lang="en-US"/>
           </a:p>
@@ -2246,7 +2247,7 @@
           <a:p>
             <a:fld id="{D8661C67-BB8E-4D16-A78D-460AAF94A53C}" type="datetime1">
               <a:rPr lang="en-US" smtClean="0"/>
-              <a:t>6/3/2021</a:t>
+              <a:t>6/8/2021</a:t>
             </a:fld>
             <a:endParaRPr lang="en-US"/>
           </a:p>
@@ -2357,7 +2358,7 @@
           <a:p>
             <a:fld id="{DBBC12E8-4105-456C-A90A-AF2362FB188F}" type="datetime1">
               <a:rPr lang="en-US" smtClean="0"/>
-              <a:t>6/3/2021</a:t>
+              <a:t>6/8/2021</a:t>
             </a:fld>
             <a:endParaRPr lang="en-US"/>
           </a:p>
@@ -2656,7 +2657,7 @@
           <a:p>
             <a:fld id="{11FD4DDA-56B2-4B92-884C-68E9C78E3003}" type="datetime1">
               <a:rPr lang="en-US" smtClean="0"/>
-              <a:t>6/3/2021</a:t>
+              <a:t>6/8/2021</a:t>
             </a:fld>
             <a:endParaRPr lang="en-US"/>
           </a:p>
@@ -2935,7 +2936,7 @@
           <a:p>
             <a:fld id="{750461B4-47C4-4F2C-98A2-225FD39D225C}" type="datetime1">
               <a:rPr lang="en-US" smtClean="0"/>
-              <a:t>6/3/2021</a:t>
+              <a:t>6/8/2021</a:t>
             </a:fld>
             <a:endParaRPr lang="en-US"/>
           </a:p>
@@ -3607,7 +3608,7 @@
           <p:cNvPr id="2" name="Title 1">
             <a:extLst>
               <a:ext uri="{FF2B5EF4-FFF2-40B4-BE49-F238E27FC236}">
-                <a16:creationId xmlns:a16="http://schemas.microsoft.com/office/drawing/2014/main" id="{F0ABA2DC-3DF6-42F2-815A-05BBEF98C052}"/>
+                <a16:creationId xmlns:a16="http://schemas.microsoft.com/office/drawing/2014/main" id="{9CE84B53-B79E-40F0-BA15-7C24D899BEB3}"/>
               </a:ext>
             </a:extLst>
           </p:cNvPr>
@@ -3624,9 +3625,78 @@
           <a:lstStyle/>
           <a:p>
             <a:r>
-              <a:rPr lang="en-US" dirty="0"/>
-              <a:t>3D Design</a:t>
-            </a:r>
+              <a:rPr lang="en-SG" dirty="0"/>
+              <a:t>EP1000 Documentation Site</a:t>
+            </a:r>
+            <a:endParaRPr lang="en-US" dirty="0"/>
+          </a:p>
+        </p:txBody>
+      </p:sp>
+      <p:sp>
+        <p:nvSpPr>
+          <p:cNvPr id="3" name="Content Placeholder 2">
+            <a:extLst>
+              <a:ext uri="{FF2B5EF4-FFF2-40B4-BE49-F238E27FC236}">
+                <a16:creationId xmlns:a16="http://schemas.microsoft.com/office/drawing/2014/main" id="{805DD678-B520-4B3B-8397-7E687E3B3F1C}"/>
+              </a:ext>
+            </a:extLst>
+          </p:cNvPr>
+          <p:cNvSpPr>
+            <a:spLocks noGrp="1"/>
+          </p:cNvSpPr>
+          <p:nvPr>
+            <p:ph idx="1"/>
+          </p:nvPr>
+        </p:nvSpPr>
+        <p:spPr/>
+        <p:txBody>
+          <a:bodyPr/>
+          <a:lstStyle/>
+          <a:p>
+            <a:r>
+              <a:rPr lang="en-SG" dirty="0"/>
+              <a:t>Use a template (Jake Wright, etc), modify to your own personality</a:t>
+            </a:r>
+          </a:p>
+          <a:p>
+            <a:r>
+              <a:rPr lang="en-SG" dirty="0"/>
+              <a:t>Site must use HTML and CSS</a:t>
+            </a:r>
+          </a:p>
+          <a:p>
+            <a:r>
+              <a:rPr lang="en-SG" dirty="0"/>
+              <a:t>Register your site using </a:t>
+            </a:r>
+            <a:r>
+              <a:rPr lang="en-SG" dirty="0" err="1"/>
+              <a:t>github</a:t>
+            </a:r>
+            <a:br>
+              <a:rPr lang="en-SG" dirty="0"/>
+            </a:br>
+            <a:r>
+              <a:rPr lang="en-SG" dirty="0"/>
+              <a:t>Maintain your site using git</a:t>
+            </a:r>
+          </a:p>
+          <a:p>
+            <a:r>
+              <a:rPr lang="en-SG" dirty="0"/>
+              <a:t>Submit your site URL to </a:t>
+            </a:r>
+            <a:r>
+              <a:rPr lang="en-SG" dirty="0">
+                <a:hlinkClick r:id="rId2"/>
+              </a:rPr>
+              <a:t>https://tinyurl.com/ep1000sites</a:t>
+            </a:r>
+            <a:r>
+              <a:rPr lang="en-SG" dirty="0"/>
+              <a:t> by 28 May</a:t>
+            </a:r>
+            <a:endParaRPr lang="en-US" dirty="0"/>
           </a:p>
         </p:txBody>
       </p:sp>
@@ -3635,7 +3705,7 @@
           <p:cNvPr id="4" name="Slide Number Placeholder 3">
             <a:extLst>
               <a:ext uri="{FF2B5EF4-FFF2-40B4-BE49-F238E27FC236}">
-                <a16:creationId xmlns:a16="http://schemas.microsoft.com/office/drawing/2014/main" id="{0FA5DAF8-BF85-4815-A86E-79633830CFAC}"/>
+                <a16:creationId xmlns:a16="http://schemas.microsoft.com/office/drawing/2014/main" id="{E785CF57-CCDD-43F9-BF2D-DEF5C04430CC}"/>
               </a:ext>
             </a:extLst>
           </p:cNvPr>
@@ -3659,90 +3729,10 @@
           </a:p>
         </p:txBody>
       </p:sp>
-      <p:sp>
-        <p:nvSpPr>
-          <p:cNvPr id="6" name="Content Placeholder 5">
-            <a:extLst>
-              <a:ext uri="{FF2B5EF4-FFF2-40B4-BE49-F238E27FC236}">
-                <a16:creationId xmlns:a16="http://schemas.microsoft.com/office/drawing/2014/main" id="{6FD3B304-BCD3-41EB-98B7-97543F21EDF8}"/>
-              </a:ext>
-            </a:extLst>
-          </p:cNvPr>
-          <p:cNvSpPr>
-            <a:spLocks noGrp="1"/>
-          </p:cNvSpPr>
-          <p:nvPr>
-            <p:ph idx="1"/>
-          </p:nvPr>
-        </p:nvSpPr>
-        <p:spPr/>
-        <p:txBody>
-          <a:bodyPr/>
-          <a:lstStyle/>
-          <a:p>
-            <a:r>
-              <a:rPr lang="en-SG" sz="2400" dirty="0"/>
-              <a:t>Fusion 360 design of a chess piece – Knight</a:t>
-            </a:r>
-          </a:p>
-          <a:p>
-            <a:pPr lvl="1"/>
-            <a:r>
-              <a:rPr lang="en-SG" sz="2000" dirty="0"/>
-              <a:t>Extrusion</a:t>
-            </a:r>
-          </a:p>
-          <a:p>
-            <a:pPr lvl="1"/>
-            <a:r>
-              <a:rPr lang="en-SG" sz="2000" dirty="0"/>
-              <a:t>Revolution</a:t>
-            </a:r>
-          </a:p>
-          <a:p>
-            <a:pPr lvl="1"/>
-            <a:r>
-              <a:rPr lang="en-SG" sz="2000" dirty="0"/>
-              <a:t>Solid manipulation</a:t>
-            </a:r>
-          </a:p>
-          <a:p>
-            <a:r>
-              <a:rPr lang="en-SG" sz="2400" dirty="0"/>
-              <a:t>Display of design on project website</a:t>
-            </a:r>
-          </a:p>
-          <a:p>
-            <a:r>
-              <a:rPr lang="en-SG" sz="2400" dirty="0"/>
-              <a:t>.f3d file</a:t>
-            </a:r>
-          </a:p>
-          <a:p>
-            <a:r>
-              <a:rPr lang="en-SG" sz="2400" dirty="0">
-                <a:solidFill>
-                  <a:schemeClr val="bg1">
-                    <a:lumMod val="75000"/>
-                  </a:schemeClr>
-                </a:solidFill>
-              </a:rPr>
-              <a:t>Required for 3D Printing (Term 2)</a:t>
-            </a:r>
-            <a:endParaRPr lang="en-US" sz="2400" dirty="0">
-              <a:solidFill>
-                <a:schemeClr val="bg1">
-                  <a:lumMod val="75000"/>
-                </a:schemeClr>
-              </a:solidFill>
-            </a:endParaRPr>
-          </a:p>
-        </p:txBody>
-      </p:sp>
     </p:spTree>
     <p:extLst>
       <p:ext uri="{BB962C8B-B14F-4D97-AF65-F5344CB8AC3E}">
-        <p14:creationId xmlns:p14="http://schemas.microsoft.com/office/powerpoint/2010/main" val="2108829280"/>
+        <p14:creationId xmlns:p14="http://schemas.microsoft.com/office/powerpoint/2010/main" val="2783791434"/>
       </p:ext>
     </p:extLst>
   </p:cSld>
@@ -3774,7 +3764,7 @@
           <p:cNvPr id="2" name="Title 1">
             <a:extLst>
               <a:ext uri="{FF2B5EF4-FFF2-40B4-BE49-F238E27FC236}">
-                <a16:creationId xmlns:a16="http://schemas.microsoft.com/office/drawing/2014/main" id="{1ABD241C-2A87-4879-8356-5AE1C02C7D43}"/>
+                <a16:creationId xmlns:a16="http://schemas.microsoft.com/office/drawing/2014/main" id="{F0ABA2DC-3DF6-42F2-815A-05BBEF98C052}"/>
               </a:ext>
             </a:extLst>
           </p:cNvPr>
@@ -3791,19 +3781,18 @@
           <a:lstStyle/>
           <a:p>
             <a:r>
-              <a:rPr lang="en-SG" dirty="0"/>
-              <a:t>Music box with lid</a:t>
-            </a:r>
-            <a:endParaRPr lang="en-US" dirty="0"/>
-          </a:p>
-        </p:txBody>
-      </p:sp>
-      <p:sp>
-        <p:nvSpPr>
-          <p:cNvPr id="3" name="Content Placeholder 2">
+              <a:rPr lang="en-US" dirty="0"/>
+              <a:t>3D Design</a:t>
+            </a:r>
+          </a:p>
+        </p:txBody>
+      </p:sp>
+      <p:sp>
+        <p:nvSpPr>
+          <p:cNvPr id="4" name="Slide Number Placeholder 3">
             <a:extLst>
               <a:ext uri="{FF2B5EF4-FFF2-40B4-BE49-F238E27FC236}">
-                <a16:creationId xmlns:a16="http://schemas.microsoft.com/office/drawing/2014/main" id="{9E31FB99-44F8-47B2-86B6-66EE4D8C3E48}"/>
+                <a16:creationId xmlns:a16="http://schemas.microsoft.com/office/drawing/2014/main" id="{0FA5DAF8-BF85-4815-A86E-79633830CFAC}"/>
               </a:ext>
             </a:extLst>
           </p:cNvPr>
@@ -3811,6 +3800,35 @@
             <a:spLocks noGrp="1"/>
           </p:cNvSpPr>
           <p:nvPr>
+            <p:ph type="sldNum" sz="quarter" idx="12"/>
+          </p:nvPr>
+        </p:nvSpPr>
+        <p:spPr/>
+        <p:txBody>
+          <a:bodyPr/>
+          <a:lstStyle/>
+          <a:p>
+            <a:fld id="{CAB166B3-F268-4CEF-878A-CFB0D0D505D3}" type="slidenum">
+              <a:rPr lang="en-US" smtClean="0"/>
+              <a:t>3</a:t>
+            </a:fld>
+            <a:endParaRPr lang="en-US"/>
+          </a:p>
+        </p:txBody>
+      </p:sp>
+      <p:sp>
+        <p:nvSpPr>
+          <p:cNvPr id="6" name="Content Placeholder 5">
+            <a:extLst>
+              <a:ext uri="{FF2B5EF4-FFF2-40B4-BE49-F238E27FC236}">
+                <a16:creationId xmlns:a16="http://schemas.microsoft.com/office/drawing/2014/main" id="{6FD3B304-BCD3-41EB-98B7-97543F21EDF8}"/>
+              </a:ext>
+            </a:extLst>
+          </p:cNvPr>
+          <p:cNvSpPr>
+            <a:spLocks noGrp="1"/>
+          </p:cNvSpPr>
+          <p:nvPr>
             <p:ph idx="1"/>
           </p:nvPr>
         </p:nvSpPr>
@@ -3820,69 +3838,55 @@
           <a:lstStyle/>
           <a:p>
             <a:r>
-              <a:rPr lang="en-SG" dirty="0"/>
-              <a:t>Fusion 360 design of box</a:t>
+              <a:rPr lang="en-SG" sz="2400" dirty="0"/>
+              <a:t>Fusion 360 design of a chess piece – Knight</a:t>
             </a:r>
           </a:p>
           <a:p>
             <a:pPr lvl="1"/>
             <a:r>
-              <a:rPr lang="en-SG" dirty="0"/>
-              <a:t>Using parameters.</a:t>
+              <a:rPr lang="en-SG" sz="2000" dirty="0"/>
+              <a:t>Extrusion</a:t>
             </a:r>
           </a:p>
           <a:p>
             <a:pPr lvl="1"/>
             <a:r>
-              <a:rPr lang="en-SG" dirty="0"/>
-              <a:t>Design to fit mechanical music generator</a:t>
+              <a:rPr lang="en-SG" sz="2000" dirty="0"/>
+              <a:t>Revolution</a:t>
             </a:r>
           </a:p>
           <a:p>
             <a:pPr lvl="1"/>
             <a:r>
-              <a:rPr lang="en-SG" dirty="0"/>
-              <a:t>Has lid (removable)</a:t>
-            </a:r>
-          </a:p>
-          <a:p>
-            <a:r>
-              <a:rPr lang="en-SG" dirty="0"/>
-              <a:t>Preparation of DXF layout for laser cutting</a:t>
-            </a:r>
-          </a:p>
-          <a:p>
-            <a:r>
-              <a:rPr lang="en-SG" dirty="0"/>
-              <a:t>Write-up on website</a:t>
-            </a:r>
-          </a:p>
-          <a:p>
-            <a:pPr lvl="1"/>
-            <a:r>
-              <a:rPr lang="en-SG" dirty="0"/>
-              <a:t>Embedded design</a:t>
-            </a:r>
-          </a:p>
-          <a:p>
-            <a:pPr lvl="1"/>
-            <a:r>
-              <a:rPr lang="en-SG" dirty="0"/>
-              <a:t>.f3d file, DXF layout</a:t>
-            </a:r>
-          </a:p>
-          <a:p>
-            <a:r>
-              <a:rPr lang="en-SG" dirty="0">
+              <a:rPr lang="en-SG" sz="2000" dirty="0"/>
+              <a:t>Solid manipulation</a:t>
+            </a:r>
+          </a:p>
+          <a:p>
+            <a:r>
+              <a:rPr lang="en-SG" sz="2400" dirty="0"/>
+              <a:t>Display of design on project website</a:t>
+            </a:r>
+          </a:p>
+          <a:p>
+            <a:r>
+              <a:rPr lang="en-SG" sz="2400" dirty="0"/>
+              <a:t>.f3d file</a:t>
+            </a:r>
+          </a:p>
+          <a:p>
+            <a:r>
+              <a:rPr lang="en-SG" sz="2400" dirty="0">
                 <a:solidFill>
                   <a:schemeClr val="bg1">
                     <a:lumMod val="75000"/>
                   </a:schemeClr>
                 </a:solidFill>
               </a:rPr>
-              <a:t>Required files for Laser cutting</a:t>
-            </a:r>
-            <a:endParaRPr lang="en-US" dirty="0">
+              <a:t>Required for 3D Printing (Term 2)</a:t>
+            </a:r>
+            <a:endParaRPr lang="en-US" sz="2400" dirty="0">
               <a:solidFill>
                 <a:schemeClr val="bg1">
                   <a:lumMod val="75000"/>
@@ -3892,39 +3896,10 @@
           </a:p>
         </p:txBody>
       </p:sp>
-      <p:sp>
-        <p:nvSpPr>
-          <p:cNvPr id="4" name="Slide Number Placeholder 3">
-            <a:extLst>
-              <a:ext uri="{FF2B5EF4-FFF2-40B4-BE49-F238E27FC236}">
-                <a16:creationId xmlns:a16="http://schemas.microsoft.com/office/drawing/2014/main" id="{6F05B0B6-F300-4A57-B085-4DB6A89447EF}"/>
-              </a:ext>
-            </a:extLst>
-          </p:cNvPr>
-          <p:cNvSpPr>
-            <a:spLocks noGrp="1"/>
-          </p:cNvSpPr>
-          <p:nvPr>
-            <p:ph type="sldNum" sz="quarter" idx="12"/>
-          </p:nvPr>
-        </p:nvSpPr>
-        <p:spPr/>
-        <p:txBody>
-          <a:bodyPr/>
-          <a:lstStyle/>
-          <a:p>
-            <a:fld id="{CAB166B3-F268-4CEF-878A-CFB0D0D505D3}" type="slidenum">
-              <a:rPr lang="en-US" smtClean="0"/>
-              <a:t>3</a:t>
-            </a:fld>
-            <a:endParaRPr lang="en-US"/>
-          </a:p>
-        </p:txBody>
-      </p:sp>
     </p:spTree>
     <p:extLst>
       <p:ext uri="{BB962C8B-B14F-4D97-AF65-F5344CB8AC3E}">
-        <p14:creationId xmlns:p14="http://schemas.microsoft.com/office/powerpoint/2010/main" val="424252449"/>
+        <p14:creationId xmlns:p14="http://schemas.microsoft.com/office/powerpoint/2010/main" val="2108829280"/>
       </p:ext>
     </p:extLst>
   </p:cSld>
@@ -3956,7 +3931,7 @@
           <p:cNvPr id="2" name="Title 1">
             <a:extLst>
               <a:ext uri="{FF2B5EF4-FFF2-40B4-BE49-F238E27FC236}">
-                <a16:creationId xmlns:a16="http://schemas.microsoft.com/office/drawing/2014/main" id="{8F66C589-1E10-423B-BDFC-434FE9F121DE}"/>
+                <a16:creationId xmlns:a16="http://schemas.microsoft.com/office/drawing/2014/main" id="{1ABD241C-2A87-4879-8356-5AE1C02C7D43}"/>
               </a:ext>
             </a:extLst>
           </p:cNvPr>
@@ -3974,7 +3949,7 @@
           <a:p>
             <a:r>
               <a:rPr lang="en-SG" dirty="0"/>
-              <a:t>Astable using 555</a:t>
+              <a:t>Music box with lid</a:t>
             </a:r>
             <a:endParaRPr lang="en-US" dirty="0"/>
           </a:p>
@@ -3985,7 +3960,7 @@
           <p:cNvPr id="3" name="Content Placeholder 2">
             <a:extLst>
               <a:ext uri="{FF2B5EF4-FFF2-40B4-BE49-F238E27FC236}">
-                <a16:creationId xmlns:a16="http://schemas.microsoft.com/office/drawing/2014/main" id="{14548FD4-B4B3-45EB-89AC-6CEB390F9D45}"/>
+                <a16:creationId xmlns:a16="http://schemas.microsoft.com/office/drawing/2014/main" id="{9E31FB99-44F8-47B2-86B6-66EE4D8C3E48}"/>
               </a:ext>
             </a:extLst>
           </p:cNvPr>
@@ -4003,37 +3978,54 @@
           <a:p>
             <a:r>
               <a:rPr lang="en-SG" dirty="0"/>
-              <a:t>Convert a circuit diagram and implement it on a breadboard</a:t>
-            </a:r>
-          </a:p>
-          <a:p>
+              <a:t>Fusion 360 design of box</a:t>
+            </a:r>
+          </a:p>
+          <a:p>
+            <a:pPr lvl="1"/>
             <a:r>
               <a:rPr lang="en-SG" dirty="0"/>
-              <a:t>Simulate using </a:t>
-            </a:r>
-            <a:r>
-              <a:rPr lang="en-SG" dirty="0" err="1"/>
-              <a:t>TinkerCAD</a:t>
-            </a:r>
-            <a:endParaRPr lang="en-SG" dirty="0"/>
-          </a:p>
-          <a:p>
+              <a:t>Using parameters.</a:t>
+            </a:r>
+          </a:p>
+          <a:p>
+            <a:pPr lvl="1"/>
             <a:r>
               <a:rPr lang="en-SG" dirty="0"/>
-              <a:t>Additional:</a:t>
+              <a:t>Design to fit mechanical music generator</a:t>
             </a:r>
           </a:p>
           <a:p>
             <a:pPr lvl="1"/>
             <a:r>
               <a:rPr lang="en-SG" dirty="0"/>
-              <a:t>Change values of R an C to see effects</a:t>
+              <a:t>Has lid (removable)</a:t>
             </a:r>
           </a:p>
           <a:p>
             <a:r>
               <a:rPr lang="en-SG" dirty="0"/>
-              <a:t>Document your work</a:t>
+              <a:t>Preparation of DXF layout for laser cutting</a:t>
+            </a:r>
+          </a:p>
+          <a:p>
+            <a:r>
+              <a:rPr lang="en-SG" dirty="0"/>
+              <a:t>Write-up on website</a:t>
+            </a:r>
+          </a:p>
+          <a:p>
+            <a:pPr lvl="1"/>
+            <a:r>
+              <a:rPr lang="en-SG" dirty="0"/>
+              <a:t>Embedded design</a:t>
+            </a:r>
+          </a:p>
+          <a:p>
+            <a:pPr lvl="1"/>
+            <a:r>
+              <a:rPr lang="en-SG" dirty="0"/>
+              <a:t>.f3d file, DXF layout</a:t>
             </a:r>
           </a:p>
           <a:p>
@@ -4045,7 +4037,7 @@
                   </a:schemeClr>
                 </a:solidFill>
               </a:rPr>
-              <a:t>Physically implement the circuit using a breadboard and components</a:t>
+              <a:t>Required files for Laser cutting</a:t>
             </a:r>
             <a:endParaRPr lang="en-US" dirty="0">
               <a:solidFill>
@@ -4062,7 +4054,7 @@
           <p:cNvPr id="4" name="Slide Number Placeholder 3">
             <a:extLst>
               <a:ext uri="{FF2B5EF4-FFF2-40B4-BE49-F238E27FC236}">
-                <a16:creationId xmlns:a16="http://schemas.microsoft.com/office/drawing/2014/main" id="{AFB4BF43-4D95-4C03-89A0-80E4C8E8BBE8}"/>
+                <a16:creationId xmlns:a16="http://schemas.microsoft.com/office/drawing/2014/main" id="{6F05B0B6-F300-4A57-B085-4DB6A89447EF}"/>
               </a:ext>
             </a:extLst>
           </p:cNvPr>
@@ -4089,7 +4081,7 @@
     </p:spTree>
     <p:extLst>
       <p:ext uri="{BB962C8B-B14F-4D97-AF65-F5344CB8AC3E}">
-        <p14:creationId xmlns:p14="http://schemas.microsoft.com/office/powerpoint/2010/main" val="1630701644"/>
+        <p14:creationId xmlns:p14="http://schemas.microsoft.com/office/powerpoint/2010/main" val="424252449"/>
       </p:ext>
     </p:extLst>
   </p:cSld>
@@ -4121,7 +4113,7 @@
           <p:cNvPr id="2" name="Title 1">
             <a:extLst>
               <a:ext uri="{FF2B5EF4-FFF2-40B4-BE49-F238E27FC236}">
-                <a16:creationId xmlns:a16="http://schemas.microsoft.com/office/drawing/2014/main" id="{3586EA0D-1D20-4EE1-9418-F9F767BB7232}"/>
+                <a16:creationId xmlns:a16="http://schemas.microsoft.com/office/drawing/2014/main" id="{8F66C589-1E10-423B-BDFC-434FE9F121DE}"/>
               </a:ext>
             </a:extLst>
           </p:cNvPr>
@@ -4139,7 +4131,7 @@
           <a:p>
             <a:r>
               <a:rPr lang="en-SG" dirty="0"/>
-              <a:t>Uno with 7-segment display</a:t>
+              <a:t>Astable using 555</a:t>
             </a:r>
             <a:endParaRPr lang="en-US" dirty="0"/>
           </a:p>
@@ -4150,7 +4142,7 @@
           <p:cNvPr id="3" name="Content Placeholder 2">
             <a:extLst>
               <a:ext uri="{FF2B5EF4-FFF2-40B4-BE49-F238E27FC236}">
-                <a16:creationId xmlns:a16="http://schemas.microsoft.com/office/drawing/2014/main" id="{EEB1503C-9221-44BD-831A-55F0535CD409}"/>
+                <a16:creationId xmlns:a16="http://schemas.microsoft.com/office/drawing/2014/main" id="{14548FD4-B4B3-45EB-89AC-6CEB390F9D45}"/>
               </a:ext>
             </a:extLst>
           </p:cNvPr>
@@ -4167,32 +4159,32 @@
           <a:lstStyle/>
           <a:p>
             <a:r>
+              <a:rPr lang="en-SG" dirty="0"/>
+              <a:t>Convert a circuit diagram and implement it on a breadboard</a:t>
+            </a:r>
+          </a:p>
+          <a:p>
+            <a:r>
+              <a:rPr lang="en-SG" dirty="0"/>
+              <a:t>Simulate using </a:t>
+            </a:r>
+            <a:r>
               <a:rPr lang="en-SG" dirty="0" err="1"/>
               <a:t>TinkerCAD</a:t>
             </a:r>
+            <a:endParaRPr lang="en-SG" dirty="0"/>
+          </a:p>
+          <a:p>
             <a:r>
               <a:rPr lang="en-SG" dirty="0"/>
-              <a:t> simulation</a:t>
+              <a:t>Additional:</a:t>
             </a:r>
           </a:p>
           <a:p>
             <a:pPr lvl="1"/>
             <a:r>
               <a:rPr lang="en-SG" dirty="0"/>
-              <a:t>Uno</a:t>
-            </a:r>
-          </a:p>
-          <a:p>
-            <a:pPr lvl="1"/>
-            <a:r>
-              <a:rPr lang="en-SG" dirty="0"/>
-              <a:t>Common Cathode 7 Segment LED display</a:t>
-            </a:r>
-          </a:p>
-          <a:p>
-            <a:r>
-              <a:rPr lang="en-SG" dirty="0"/>
-              <a:t>Counts from 0 to 9 continuously</a:t>
+              <a:t>Change values of R an C to see effects</a:t>
             </a:r>
           </a:p>
           <a:p>
@@ -4200,7 +4192,25 @@
               <a:rPr lang="en-SG" dirty="0"/>
               <a:t>Document your work</a:t>
             </a:r>
-            <a:endParaRPr lang="en-US" dirty="0"/>
+          </a:p>
+          <a:p>
+            <a:r>
+              <a:rPr lang="en-SG" dirty="0">
+                <a:solidFill>
+                  <a:schemeClr val="bg1">
+                    <a:lumMod val="75000"/>
+                  </a:schemeClr>
+                </a:solidFill>
+              </a:rPr>
+              <a:t>Physically implement the circuit using a breadboard and components</a:t>
+            </a:r>
+            <a:endParaRPr lang="en-US" dirty="0">
+              <a:solidFill>
+                <a:schemeClr val="bg1">
+                  <a:lumMod val="75000"/>
+                </a:schemeClr>
+              </a:solidFill>
+            </a:endParaRPr>
           </a:p>
         </p:txBody>
       </p:sp>
@@ -4209,7 +4219,7 @@
           <p:cNvPr id="4" name="Slide Number Placeholder 3">
             <a:extLst>
               <a:ext uri="{FF2B5EF4-FFF2-40B4-BE49-F238E27FC236}">
-                <a16:creationId xmlns:a16="http://schemas.microsoft.com/office/drawing/2014/main" id="{44F7B4CD-ACA2-4E66-926B-9996E39FA190}"/>
+                <a16:creationId xmlns:a16="http://schemas.microsoft.com/office/drawing/2014/main" id="{AFB4BF43-4D95-4C03-89A0-80E4C8E8BBE8}"/>
               </a:ext>
             </a:extLst>
           </p:cNvPr>
@@ -4236,7 +4246,7 @@
     </p:spTree>
     <p:extLst>
       <p:ext uri="{BB962C8B-B14F-4D97-AF65-F5344CB8AC3E}">
-        <p14:creationId xmlns:p14="http://schemas.microsoft.com/office/powerpoint/2010/main" val="3620771284"/>
+        <p14:creationId xmlns:p14="http://schemas.microsoft.com/office/powerpoint/2010/main" val="1630701644"/>
       </p:ext>
     </p:extLst>
   </p:cSld>
@@ -4268,7 +4278,7 @@
           <p:cNvPr id="2" name="Title 1">
             <a:extLst>
               <a:ext uri="{FF2B5EF4-FFF2-40B4-BE49-F238E27FC236}">
-                <a16:creationId xmlns:a16="http://schemas.microsoft.com/office/drawing/2014/main" id="{E5B6A75B-860D-4559-B70C-6EEAA1098841}"/>
+                <a16:creationId xmlns:a16="http://schemas.microsoft.com/office/drawing/2014/main" id="{3586EA0D-1D20-4EE1-9418-F9F767BB7232}"/>
               </a:ext>
             </a:extLst>
           </p:cNvPr>
@@ -4286,7 +4296,7 @@
           <a:p>
             <a:r>
               <a:rPr lang="en-SG" dirty="0"/>
-              <a:t>One Pushbutton SW  - many states</a:t>
+              <a:t>Uno with 7-segment display</a:t>
             </a:r>
             <a:endParaRPr lang="en-US" dirty="0"/>
           </a:p>
@@ -4297,7 +4307,7 @@
           <p:cNvPr id="3" name="Content Placeholder 2">
             <a:extLst>
               <a:ext uri="{FF2B5EF4-FFF2-40B4-BE49-F238E27FC236}">
-                <a16:creationId xmlns:a16="http://schemas.microsoft.com/office/drawing/2014/main" id="{6D9E64F8-9616-4DDE-A488-88CEA939275A}"/>
+                <a16:creationId xmlns:a16="http://schemas.microsoft.com/office/drawing/2014/main" id="{EEB1503C-9221-44BD-831A-55F0535CD409}"/>
               </a:ext>
             </a:extLst>
           </p:cNvPr>
@@ -4314,37 +4324,40 @@
           <a:lstStyle/>
           <a:p>
             <a:r>
-              <a:rPr lang="en-SG" dirty="0"/>
-              <a:t>Work through the example in the class using </a:t>
-            </a:r>
-            <a:r>
               <a:rPr lang="en-SG" dirty="0" err="1"/>
               <a:t>TinkerCAD</a:t>
             </a:r>
             <a:r>
               <a:rPr lang="en-SG" dirty="0"/>
-              <a:t>, understand the program</a:t>
-            </a:r>
-          </a:p>
-          <a:p>
+              <a:t> simulation</a:t>
+            </a:r>
+          </a:p>
+          <a:p>
+            <a:pPr lvl="1"/>
             <a:r>
               <a:rPr lang="en-SG" dirty="0"/>
-              <a:t>Do Assessment 12, simulate using </a:t>
-            </a:r>
-            <a:r>
-              <a:rPr lang="en-SG" dirty="0" err="1"/>
-              <a:t>TinkerCAD</a:t>
-            </a:r>
-            <a:endParaRPr lang="en-SG" dirty="0"/>
-          </a:p>
-          <a:p>
+              <a:t>Uno</a:t>
+            </a:r>
+          </a:p>
+          <a:p>
+            <a:pPr lvl="1"/>
             <a:r>
               <a:rPr lang="en-SG" dirty="0"/>
-              <a:t>Document your work, embed the simulation on your website</a:t>
-            </a:r>
-          </a:p>
-          <a:p>
-            <a:endParaRPr lang="en-SG" dirty="0"/>
+              <a:t>Common Cathode 7 Segment LED display</a:t>
+            </a:r>
+          </a:p>
+          <a:p>
+            <a:r>
+              <a:rPr lang="en-SG" dirty="0"/>
+              <a:t>Counts from 0 to 9 continuously</a:t>
+            </a:r>
+          </a:p>
+          <a:p>
+            <a:r>
+              <a:rPr lang="en-SG" dirty="0"/>
+              <a:t>Document your work</a:t>
+            </a:r>
+            <a:endParaRPr lang="en-US" dirty="0"/>
           </a:p>
         </p:txBody>
       </p:sp>
@@ -4353,7 +4366,7 @@
           <p:cNvPr id="4" name="Slide Number Placeholder 3">
             <a:extLst>
               <a:ext uri="{FF2B5EF4-FFF2-40B4-BE49-F238E27FC236}">
-                <a16:creationId xmlns:a16="http://schemas.microsoft.com/office/drawing/2014/main" id="{CB694F78-3A76-47CA-9AA1-D83F5ECD6692}"/>
+                <a16:creationId xmlns:a16="http://schemas.microsoft.com/office/drawing/2014/main" id="{44F7B4CD-ACA2-4E66-926B-9996E39FA190}"/>
               </a:ext>
             </a:extLst>
           </p:cNvPr>
@@ -4380,7 +4393,7 @@
     </p:spTree>
     <p:extLst>
       <p:ext uri="{BB962C8B-B14F-4D97-AF65-F5344CB8AC3E}">
-        <p14:creationId xmlns:p14="http://schemas.microsoft.com/office/powerpoint/2010/main" val="1673867222"/>
+        <p14:creationId xmlns:p14="http://schemas.microsoft.com/office/powerpoint/2010/main" val="3620771284"/>
       </p:ext>
     </p:extLst>
   </p:cSld>
@@ -4412,6 +4425,150 @@
           <p:cNvPr id="2" name="Title 1">
             <a:extLst>
               <a:ext uri="{FF2B5EF4-FFF2-40B4-BE49-F238E27FC236}">
+                <a16:creationId xmlns:a16="http://schemas.microsoft.com/office/drawing/2014/main" id="{E5B6A75B-860D-4559-B70C-6EEAA1098841}"/>
+              </a:ext>
+            </a:extLst>
+          </p:cNvPr>
+          <p:cNvSpPr>
+            <a:spLocks noGrp="1"/>
+          </p:cNvSpPr>
+          <p:nvPr>
+            <p:ph type="title"/>
+          </p:nvPr>
+        </p:nvSpPr>
+        <p:spPr/>
+        <p:txBody>
+          <a:bodyPr/>
+          <a:lstStyle/>
+          <a:p>
+            <a:r>
+              <a:rPr lang="en-SG" dirty="0"/>
+              <a:t>One Pushbutton SW  - many states</a:t>
+            </a:r>
+            <a:endParaRPr lang="en-US" dirty="0"/>
+          </a:p>
+        </p:txBody>
+      </p:sp>
+      <p:sp>
+        <p:nvSpPr>
+          <p:cNvPr id="3" name="Content Placeholder 2">
+            <a:extLst>
+              <a:ext uri="{FF2B5EF4-FFF2-40B4-BE49-F238E27FC236}">
+                <a16:creationId xmlns:a16="http://schemas.microsoft.com/office/drawing/2014/main" id="{6D9E64F8-9616-4DDE-A488-88CEA939275A}"/>
+              </a:ext>
+            </a:extLst>
+          </p:cNvPr>
+          <p:cNvSpPr>
+            <a:spLocks noGrp="1"/>
+          </p:cNvSpPr>
+          <p:nvPr>
+            <p:ph idx="1"/>
+          </p:nvPr>
+        </p:nvSpPr>
+        <p:spPr/>
+        <p:txBody>
+          <a:bodyPr/>
+          <a:lstStyle/>
+          <a:p>
+            <a:r>
+              <a:rPr lang="en-SG" dirty="0"/>
+              <a:t>Work through the example in the class using </a:t>
+            </a:r>
+            <a:r>
+              <a:rPr lang="en-SG" dirty="0" err="1"/>
+              <a:t>TinkerCAD</a:t>
+            </a:r>
+            <a:r>
+              <a:rPr lang="en-SG" dirty="0"/>
+              <a:t>, understand the program</a:t>
+            </a:r>
+          </a:p>
+          <a:p>
+            <a:r>
+              <a:rPr lang="en-SG" dirty="0"/>
+              <a:t>Do Assessment 12, simulate using </a:t>
+            </a:r>
+            <a:r>
+              <a:rPr lang="en-SG" dirty="0" err="1"/>
+              <a:t>TinkerCAD</a:t>
+            </a:r>
+            <a:endParaRPr lang="en-SG" dirty="0"/>
+          </a:p>
+          <a:p>
+            <a:r>
+              <a:rPr lang="en-SG" dirty="0"/>
+              <a:t>Document your work, embed the simulation on your website</a:t>
+            </a:r>
+          </a:p>
+          <a:p>
+            <a:endParaRPr lang="en-SG" dirty="0"/>
+          </a:p>
+        </p:txBody>
+      </p:sp>
+      <p:sp>
+        <p:nvSpPr>
+          <p:cNvPr id="4" name="Slide Number Placeholder 3">
+            <a:extLst>
+              <a:ext uri="{FF2B5EF4-FFF2-40B4-BE49-F238E27FC236}">
+                <a16:creationId xmlns:a16="http://schemas.microsoft.com/office/drawing/2014/main" id="{CB694F78-3A76-47CA-9AA1-D83F5ECD6692}"/>
+              </a:ext>
+            </a:extLst>
+          </p:cNvPr>
+          <p:cNvSpPr>
+            <a:spLocks noGrp="1"/>
+          </p:cNvSpPr>
+          <p:nvPr>
+            <p:ph type="sldNum" sz="quarter" idx="12"/>
+          </p:nvPr>
+        </p:nvSpPr>
+        <p:spPr/>
+        <p:txBody>
+          <a:bodyPr/>
+          <a:lstStyle/>
+          <a:p>
+            <a:fld id="{CAB166B3-F268-4CEF-878A-CFB0D0D505D3}" type="slidenum">
+              <a:rPr lang="en-US" smtClean="0"/>
+              <a:t>7</a:t>
+            </a:fld>
+            <a:endParaRPr lang="en-US"/>
+          </a:p>
+        </p:txBody>
+      </p:sp>
+    </p:spTree>
+    <p:extLst>
+      <p:ext uri="{BB962C8B-B14F-4D97-AF65-F5344CB8AC3E}">
+        <p14:creationId xmlns:p14="http://schemas.microsoft.com/office/powerpoint/2010/main" val="1673867222"/>
+      </p:ext>
+    </p:extLst>
+  </p:cSld>
+  <p:clrMapOvr>
+    <a:masterClrMapping/>
+  </p:clrMapOvr>
+</p:sld>
+</file>
+
+<file path=ppt/slides/slide8.xml><?xml version="1.0" encoding="utf-8"?>
+<p:sld xmlns:a="http://schemas.openxmlformats.org/drawingml/2006/main" xmlns:r="http://schemas.openxmlformats.org/officeDocument/2006/relationships" xmlns:p="http://schemas.openxmlformats.org/presentationml/2006/main">
+  <p:cSld>
+    <p:spTree>
+      <p:nvGrpSpPr>
+        <p:cNvPr id="1" name=""/>
+        <p:cNvGrpSpPr/>
+        <p:nvPr/>
+      </p:nvGrpSpPr>
+      <p:grpSpPr>
+        <a:xfrm>
+          <a:off x="0" y="0"/>
+          <a:ext cx="0" cy="0"/>
+          <a:chOff x="0" y="0"/>
+          <a:chExt cx="0" cy="0"/>
+        </a:xfrm>
+      </p:grpSpPr>
+      <p:sp>
+        <p:nvSpPr>
+          <p:cNvPr id="2" name="Title 1">
+            <a:extLst>
+              <a:ext uri="{FF2B5EF4-FFF2-40B4-BE49-F238E27FC236}">
                 <a16:creationId xmlns:a16="http://schemas.microsoft.com/office/drawing/2014/main" id="{B2C0AE99-7D15-40BC-A339-31679C1AEFCE}"/>
               </a:ext>
             </a:extLst>
@@ -4535,7 +4692,7 @@
           <a:p>
             <a:fld id="{CAB166B3-F268-4CEF-878A-CFB0D0D505D3}" type="slidenum">
               <a:rPr lang="en-US" smtClean="0"/>
-              <a:t>7</a:t>
+              <a:t>8</a:t>
             </a:fld>
             <a:endParaRPr lang="en-US"/>
           </a:p>
@@ -4554,7 +4711,7 @@
 </p:sld>
 </file>
 
-<file path=ppt/slides/slide8.xml><?xml version="1.0" encoding="utf-8"?>
+<file path=ppt/slides/slide9.xml><?xml version="1.0" encoding="utf-8"?>
 <p:sld xmlns:a="http://schemas.openxmlformats.org/drawingml/2006/main" xmlns:r="http://schemas.openxmlformats.org/officeDocument/2006/relationships" xmlns:p="http://schemas.openxmlformats.org/presentationml/2006/main">
   <p:cSld>
     <p:spTree>
